--- a/docs/NCC WEB.pptx
+++ b/docs/NCC WEB.pptx
@@ -5607,8 +5607,8 @@
         </p:nvSpPr>
         <p:spPr>
           <a:xfrm>
-            <a:off x="1989438" y="1124465"/>
-            <a:ext cx="6166021" cy="2308324"/>
+            <a:off x="4170406" y="3175686"/>
+            <a:ext cx="1717588" cy="1754326"/>
           </a:xfrm>
           <a:prstGeom prst="rect">
             <a:avLst/>
@@ -5622,19 +5622,6 @@
           <a:lstStyle/>
           <a:p>
             <a:r>
-              <a:rPr lang="en-IN" dirty="0" err="1"/>
-              <a:t>Ejs</a:t>
-            </a:r>
-            <a:r>
-              <a:rPr lang="en-IN" dirty="0"/>
-              <a:t> Template</a:t>
-            </a:r>
-          </a:p>
-          <a:p>
-            <a:endParaRPr lang="en-IN" dirty="0"/>
-          </a:p>
-          <a:p>
-            <a:r>
               <a:rPr lang="en-IN" dirty="0"/>
               <a:t>1.Cadet detail</a:t>
             </a:r>
@@ -5661,6 +5648,217 @@
             <a:r>
               <a:rPr lang="en-IN" dirty="0"/>
               <a:t>5.Achievers</a:t>
+            </a:r>
+          </a:p>
+          <a:p>
+            <a:endParaRPr lang="en-IN" dirty="0"/>
+          </a:p>
+        </p:txBody>
+      </p:sp>
+      <p:sp>
+        <p:nvSpPr>
+          <p:cNvPr id="2" name="Rectangle 1">
+            <a:extLst>
+              <a:ext uri="{FF2B5EF4-FFF2-40B4-BE49-F238E27FC236}">
+                <a16:creationId xmlns:a16="http://schemas.microsoft.com/office/drawing/2014/main" id="{9E9FDAC6-643C-48EF-849B-864DBEF45672}"/>
+              </a:ext>
+            </a:extLst>
+          </p:cNvPr>
+          <p:cNvSpPr/>
+          <p:nvPr/>
+        </p:nvSpPr>
+        <p:spPr>
+          <a:xfrm>
+            <a:off x="4522573" y="803189"/>
+            <a:ext cx="2903838" cy="815546"/>
+          </a:xfrm>
+          <a:prstGeom prst="rect">
+            <a:avLst/>
+          </a:prstGeom>
+        </p:spPr>
+        <p:style>
+          <a:lnRef idx="2">
+            <a:schemeClr val="accent1">
+              <a:shade val="50000"/>
+            </a:schemeClr>
+          </a:lnRef>
+          <a:fillRef idx="1">
+            <a:schemeClr val="accent1"/>
+          </a:fillRef>
+          <a:effectRef idx="0">
+            <a:schemeClr val="accent1"/>
+          </a:effectRef>
+          <a:fontRef idx="minor">
+            <a:schemeClr val="lt1"/>
+          </a:fontRef>
+        </p:style>
+        <p:txBody>
+          <a:bodyPr rtlCol="0" anchor="ctr"/>
+          <a:lstStyle/>
+          <a:p>
+            <a:pPr algn="ctr"/>
+            <a:r>
+              <a:rPr lang="en-IN" dirty="0"/>
+              <a:t>EJS Template</a:t>
+            </a:r>
+          </a:p>
+        </p:txBody>
+      </p:sp>
+      <p:cxnSp>
+        <p:nvCxnSpPr>
+          <p:cNvPr id="4" name="Connector: Elbow 3">
+            <a:extLst>
+              <a:ext uri="{FF2B5EF4-FFF2-40B4-BE49-F238E27FC236}">
+                <a16:creationId xmlns:a16="http://schemas.microsoft.com/office/drawing/2014/main" id="{FFEC9241-33A6-4A3C-A579-5BABD30477A6}"/>
+              </a:ext>
+            </a:extLst>
+          </p:cNvPr>
+          <p:cNvCxnSpPr>
+            <a:cxnSpLocks/>
+          </p:cNvCxnSpPr>
+          <p:nvPr/>
+        </p:nvCxnSpPr>
+        <p:spPr>
+          <a:xfrm>
+            <a:off x="5966769" y="2100648"/>
+            <a:ext cx="1503405" cy="827903"/>
+          </a:xfrm>
+          <a:prstGeom prst="bentConnector3">
+            <a:avLst/>
+          </a:prstGeom>
+        </p:spPr>
+        <p:style>
+          <a:lnRef idx="1">
+            <a:schemeClr val="accent1"/>
+          </a:lnRef>
+          <a:fillRef idx="0">
+            <a:schemeClr val="accent1"/>
+          </a:fillRef>
+          <a:effectRef idx="0">
+            <a:schemeClr val="accent1"/>
+          </a:effectRef>
+          <a:fontRef idx="minor">
+            <a:schemeClr val="tx1"/>
+          </a:fontRef>
+        </p:style>
+      </p:cxnSp>
+      <p:cxnSp>
+        <p:nvCxnSpPr>
+          <p:cNvPr id="8" name="Connector: Elbow 7">
+            <a:extLst>
+              <a:ext uri="{FF2B5EF4-FFF2-40B4-BE49-F238E27FC236}">
+                <a16:creationId xmlns:a16="http://schemas.microsoft.com/office/drawing/2014/main" id="{B802A3FF-ED39-41E3-BB41-18ACD4A14C92}"/>
+              </a:ext>
+            </a:extLst>
+          </p:cNvPr>
+          <p:cNvCxnSpPr>
+            <a:cxnSpLocks/>
+          </p:cNvCxnSpPr>
+          <p:nvPr/>
+        </p:nvCxnSpPr>
+        <p:spPr>
+          <a:xfrm rot="10800000" flipV="1">
+            <a:off x="4170406" y="2100648"/>
+            <a:ext cx="1804086" cy="852616"/>
+          </a:xfrm>
+          <a:prstGeom prst="bentConnector3">
+            <a:avLst>
+              <a:gd name="adj1" fmla="val 50000"/>
+            </a:avLst>
+          </a:prstGeom>
+        </p:spPr>
+        <p:style>
+          <a:lnRef idx="1">
+            <a:schemeClr val="accent1"/>
+          </a:lnRef>
+          <a:fillRef idx="0">
+            <a:schemeClr val="accent1"/>
+          </a:fillRef>
+          <a:effectRef idx="0">
+            <a:schemeClr val="accent1"/>
+          </a:effectRef>
+          <a:fontRef idx="minor">
+            <a:schemeClr val="tx1"/>
+          </a:fontRef>
+        </p:style>
+      </p:cxnSp>
+      <p:cxnSp>
+        <p:nvCxnSpPr>
+          <p:cNvPr id="12" name="Straight Connector 11">
+            <a:extLst>
+              <a:ext uri="{FF2B5EF4-FFF2-40B4-BE49-F238E27FC236}">
+                <a16:creationId xmlns:a16="http://schemas.microsoft.com/office/drawing/2014/main" id="{1B4DCE6F-EE9E-4ADB-A4C0-601388196CB0}"/>
+              </a:ext>
+            </a:extLst>
+          </p:cNvPr>
+          <p:cNvCxnSpPr>
+            <a:cxnSpLocks/>
+            <a:stCxn id="2" idx="2"/>
+          </p:cNvCxnSpPr>
+          <p:nvPr/>
+        </p:nvCxnSpPr>
+        <p:spPr>
+          <a:xfrm flipH="1">
+            <a:off x="5966769" y="1618735"/>
+            <a:ext cx="7723" cy="481913"/>
+          </a:xfrm>
+          <a:prstGeom prst="line">
+            <a:avLst/>
+          </a:prstGeom>
+        </p:spPr>
+        <p:style>
+          <a:lnRef idx="1">
+            <a:schemeClr val="accent1"/>
+          </a:lnRef>
+          <a:fillRef idx="0">
+            <a:schemeClr val="accent1"/>
+          </a:fillRef>
+          <a:effectRef idx="0">
+            <a:schemeClr val="accent1"/>
+          </a:effectRef>
+          <a:fontRef idx="minor">
+            <a:schemeClr val="tx1"/>
+          </a:fontRef>
+        </p:style>
+      </p:cxnSp>
+      <p:sp>
+        <p:nvSpPr>
+          <p:cNvPr id="18" name="TextBox 17">
+            <a:extLst>
+              <a:ext uri="{FF2B5EF4-FFF2-40B4-BE49-F238E27FC236}">
+                <a16:creationId xmlns:a16="http://schemas.microsoft.com/office/drawing/2014/main" id="{94324F67-101C-4078-B932-460914922400}"/>
+              </a:ext>
+            </a:extLst>
+          </p:cNvPr>
+          <p:cNvSpPr txBox="1"/>
+          <p:nvPr/>
+        </p:nvSpPr>
+        <p:spPr>
+          <a:xfrm>
+            <a:off x="6969211" y="3175686"/>
+            <a:ext cx="1235676" cy="923330"/>
+          </a:xfrm>
+          <a:prstGeom prst="rect">
+            <a:avLst/>
+          </a:prstGeom>
+          <a:noFill/>
+        </p:spPr>
+        <p:txBody>
+          <a:bodyPr wrap="square" rtlCol="0">
+            <a:spAutoFit/>
+          </a:bodyPr>
+          <a:lstStyle/>
+          <a:p>
+            <a:r>
+              <a:rPr lang="en-IN" dirty="0" err="1"/>
+              <a:t>Batchs</a:t>
+            </a:r>
+            <a:endParaRPr lang="en-IN" dirty="0"/>
+          </a:p>
+          <a:p>
+            <a:r>
+              <a:rPr lang="en-IN" dirty="0"/>
+              <a:t>Alumni</a:t>
             </a:r>
           </a:p>
           <a:p>

--- a/docs/NCC WEB.pptx
+++ b/docs/NCC WEB.pptx
@@ -269,7 +269,7 @@
           <a:p>
             <a:fld id="{1D47B19E-9BFA-4F2D-BCE1-9AE7F3A8F8BB}" type="datetimeFigureOut">
               <a:rPr lang="en-IN" smtClean="0"/>
-              <a:t>12-03-2020</a:t>
+              <a:t>11-04-2020</a:t>
             </a:fld>
             <a:endParaRPr lang="en-IN"/>
           </a:p>
@@ -439,7 +439,7 @@
           <a:p>
             <a:fld id="{1D47B19E-9BFA-4F2D-BCE1-9AE7F3A8F8BB}" type="datetimeFigureOut">
               <a:rPr lang="en-IN" smtClean="0"/>
-              <a:t>12-03-2020</a:t>
+              <a:t>11-04-2020</a:t>
             </a:fld>
             <a:endParaRPr lang="en-IN"/>
           </a:p>
@@ -619,7 +619,7 @@
           <a:p>
             <a:fld id="{1D47B19E-9BFA-4F2D-BCE1-9AE7F3A8F8BB}" type="datetimeFigureOut">
               <a:rPr lang="en-IN" smtClean="0"/>
-              <a:t>12-03-2020</a:t>
+              <a:t>11-04-2020</a:t>
             </a:fld>
             <a:endParaRPr lang="en-IN"/>
           </a:p>
@@ -789,7 +789,7 @@
           <a:p>
             <a:fld id="{1D47B19E-9BFA-4F2D-BCE1-9AE7F3A8F8BB}" type="datetimeFigureOut">
               <a:rPr lang="en-IN" smtClean="0"/>
-              <a:t>12-03-2020</a:t>
+              <a:t>11-04-2020</a:t>
             </a:fld>
             <a:endParaRPr lang="en-IN"/>
           </a:p>
@@ -1035,7 +1035,7 @@
           <a:p>
             <a:fld id="{1D47B19E-9BFA-4F2D-BCE1-9AE7F3A8F8BB}" type="datetimeFigureOut">
               <a:rPr lang="en-IN" smtClean="0"/>
-              <a:t>12-03-2020</a:t>
+              <a:t>11-04-2020</a:t>
             </a:fld>
             <a:endParaRPr lang="en-IN"/>
           </a:p>
@@ -1267,7 +1267,7 @@
           <a:p>
             <a:fld id="{1D47B19E-9BFA-4F2D-BCE1-9AE7F3A8F8BB}" type="datetimeFigureOut">
               <a:rPr lang="en-IN" smtClean="0"/>
-              <a:t>12-03-2020</a:t>
+              <a:t>11-04-2020</a:t>
             </a:fld>
             <a:endParaRPr lang="en-IN"/>
           </a:p>
@@ -1634,7 +1634,7 @@
           <a:p>
             <a:fld id="{1D47B19E-9BFA-4F2D-BCE1-9AE7F3A8F8BB}" type="datetimeFigureOut">
               <a:rPr lang="en-IN" smtClean="0"/>
-              <a:t>12-03-2020</a:t>
+              <a:t>11-04-2020</a:t>
             </a:fld>
             <a:endParaRPr lang="en-IN"/>
           </a:p>
@@ -1752,7 +1752,7 @@
           <a:p>
             <a:fld id="{1D47B19E-9BFA-4F2D-BCE1-9AE7F3A8F8BB}" type="datetimeFigureOut">
               <a:rPr lang="en-IN" smtClean="0"/>
-              <a:t>12-03-2020</a:t>
+              <a:t>11-04-2020</a:t>
             </a:fld>
             <a:endParaRPr lang="en-IN"/>
           </a:p>
@@ -1847,7 +1847,7 @@
           <a:p>
             <a:fld id="{1D47B19E-9BFA-4F2D-BCE1-9AE7F3A8F8BB}" type="datetimeFigureOut">
               <a:rPr lang="en-IN" smtClean="0"/>
-              <a:t>12-03-2020</a:t>
+              <a:t>11-04-2020</a:t>
             </a:fld>
             <a:endParaRPr lang="en-IN"/>
           </a:p>
@@ -2124,7 +2124,7 @@
           <a:p>
             <a:fld id="{1D47B19E-9BFA-4F2D-BCE1-9AE7F3A8F8BB}" type="datetimeFigureOut">
               <a:rPr lang="en-IN" smtClean="0"/>
-              <a:t>12-03-2020</a:t>
+              <a:t>11-04-2020</a:t>
             </a:fld>
             <a:endParaRPr lang="en-IN"/>
           </a:p>
@@ -2377,7 +2377,7 @@
           <a:p>
             <a:fld id="{1D47B19E-9BFA-4F2D-BCE1-9AE7F3A8F8BB}" type="datetimeFigureOut">
               <a:rPr lang="en-IN" smtClean="0"/>
-              <a:t>12-03-2020</a:t>
+              <a:t>11-04-2020</a:t>
             </a:fld>
             <a:endParaRPr lang="en-IN"/>
           </a:p>
@@ -2590,7 +2590,7 @@
           <a:p>
             <a:fld id="{1D47B19E-9BFA-4F2D-BCE1-9AE7F3A8F8BB}" type="datetimeFigureOut">
               <a:rPr lang="en-IN" smtClean="0"/>
-              <a:t>12-03-2020</a:t>
+              <a:t>11-04-2020</a:t>
             </a:fld>
             <a:endParaRPr lang="en-IN"/>
           </a:p>
@@ -3191,7 +3191,7 @@
           <p:nvPr>
             <p:extLst>
               <p:ext uri="{D42A27DB-BD31-4B8C-83A1-F6EECF244321}">
-                <p14:modId xmlns:p14="http://schemas.microsoft.com/office/powerpoint/2010/main" val="1780808799"/>
+                <p14:modId xmlns:p14="http://schemas.microsoft.com/office/powerpoint/2010/main" val="4049597552"/>
               </p:ext>
             </p:extLst>
           </p:nvPr>
@@ -3326,12 +3326,16 @@
                     <a:lstStyle/>
                     <a:p>
                       <a:r>
-                        <a:rPr lang="en-US" dirty="0" err="1"/>
-                        <a:t>Alumuni</a:t>
+                        <a:rPr lang="en-US"/>
+                        <a:t>Alumni</a:t>
+                      </a:r>
+                      <a:r>
+                        <a:rPr lang="en-US" baseline="0"/>
+                        <a:t> </a:t>
                       </a:r>
                       <a:r>
                         <a:rPr lang="en-US" baseline="0" dirty="0"/>
-                        <a:t> details</a:t>
+                        <a:t>details</a:t>
                       </a:r>
                       <a:endParaRPr lang="en-IN" dirty="0"/>
                     </a:p>
